--- a/Лекции/3/Лекция 3 Методы хранения и анализа информации.pptx
+++ b/Лекции/3/Лекция 3 Методы хранения и анализа информации.pptx
@@ -368,7 +368,7 @@
           <a:p>
             <a:fld id="{07467A74-FEEF-45B0-ABD3-14EA22804807}" type="datetimeFigureOut">
               <a:rPr lang="ru-RU" smtClean="0"/>
-              <a:t>08.10.2023</a:t>
+              <a:t>16.10.2023</a:t>
             </a:fld>
             <a:endParaRPr lang="ru-RU"/>
           </a:p>
@@ -6352,7 +6352,7 @@
           <a:p>
             <a:fld id="{44AC4E9E-3BE5-4665-BAE6-72CA507E8656}" type="datetimeFigureOut">
               <a:rPr lang="ru-RU" smtClean="0"/>
-              <a:t>08.10.2023</a:t>
+              <a:t>16.10.2023</a:t>
             </a:fld>
             <a:endParaRPr lang="ru-RU"/>
           </a:p>
@@ -6520,7 +6520,7 @@
           <a:p>
             <a:fld id="{44AC4E9E-3BE5-4665-BAE6-72CA507E8656}" type="datetimeFigureOut">
               <a:rPr lang="ru-RU" smtClean="0"/>
-              <a:t>08.10.2023</a:t>
+              <a:t>16.10.2023</a:t>
             </a:fld>
             <a:endParaRPr lang="ru-RU"/>
           </a:p>
@@ -6698,7 +6698,7 @@
           <a:p>
             <a:fld id="{44AC4E9E-3BE5-4665-BAE6-72CA507E8656}" type="datetimeFigureOut">
               <a:rPr lang="ru-RU" smtClean="0"/>
-              <a:t>08.10.2023</a:t>
+              <a:t>16.10.2023</a:t>
             </a:fld>
             <a:endParaRPr lang="ru-RU"/>
           </a:p>
@@ -6866,7 +6866,7 @@
           <a:p>
             <a:fld id="{44AC4E9E-3BE5-4665-BAE6-72CA507E8656}" type="datetimeFigureOut">
               <a:rPr lang="ru-RU" smtClean="0"/>
-              <a:t>08.10.2023</a:t>
+              <a:t>16.10.2023</a:t>
             </a:fld>
             <a:endParaRPr lang="ru-RU"/>
           </a:p>
@@ -7111,7 +7111,7 @@
           <a:p>
             <a:fld id="{44AC4E9E-3BE5-4665-BAE6-72CA507E8656}" type="datetimeFigureOut">
               <a:rPr lang="ru-RU" smtClean="0"/>
-              <a:t>08.10.2023</a:t>
+              <a:t>16.10.2023</a:t>
             </a:fld>
             <a:endParaRPr lang="ru-RU"/>
           </a:p>
@@ -7340,7 +7340,7 @@
           <a:p>
             <a:fld id="{44AC4E9E-3BE5-4665-BAE6-72CA507E8656}" type="datetimeFigureOut">
               <a:rPr lang="ru-RU" smtClean="0"/>
-              <a:t>08.10.2023</a:t>
+              <a:t>16.10.2023</a:t>
             </a:fld>
             <a:endParaRPr lang="ru-RU"/>
           </a:p>
@@ -7704,7 +7704,7 @@
           <a:p>
             <a:fld id="{44AC4E9E-3BE5-4665-BAE6-72CA507E8656}" type="datetimeFigureOut">
               <a:rPr lang="ru-RU" smtClean="0"/>
-              <a:t>08.10.2023</a:t>
+              <a:t>16.10.2023</a:t>
             </a:fld>
             <a:endParaRPr lang="ru-RU"/>
           </a:p>
@@ -7821,7 +7821,7 @@
           <a:p>
             <a:fld id="{44AC4E9E-3BE5-4665-BAE6-72CA507E8656}" type="datetimeFigureOut">
               <a:rPr lang="ru-RU" smtClean="0"/>
-              <a:t>08.10.2023</a:t>
+              <a:t>16.10.2023</a:t>
             </a:fld>
             <a:endParaRPr lang="ru-RU"/>
           </a:p>
@@ -7916,7 +7916,7 @@
           <a:p>
             <a:fld id="{44AC4E9E-3BE5-4665-BAE6-72CA507E8656}" type="datetimeFigureOut">
               <a:rPr lang="ru-RU" smtClean="0"/>
-              <a:t>08.10.2023</a:t>
+              <a:t>16.10.2023</a:t>
             </a:fld>
             <a:endParaRPr lang="ru-RU"/>
           </a:p>
@@ -8191,7 +8191,7 @@
           <a:p>
             <a:fld id="{44AC4E9E-3BE5-4665-BAE6-72CA507E8656}" type="datetimeFigureOut">
               <a:rPr lang="ru-RU" smtClean="0"/>
-              <a:t>08.10.2023</a:t>
+              <a:t>16.10.2023</a:t>
             </a:fld>
             <a:endParaRPr lang="ru-RU"/>
           </a:p>
@@ -8443,7 +8443,7 @@
           <a:p>
             <a:fld id="{44AC4E9E-3BE5-4665-BAE6-72CA507E8656}" type="datetimeFigureOut">
               <a:rPr lang="ru-RU" smtClean="0"/>
-              <a:t>08.10.2023</a:t>
+              <a:t>16.10.2023</a:t>
             </a:fld>
             <a:endParaRPr lang="ru-RU"/>
           </a:p>
@@ -8654,7 +8654,7 @@
           <a:p>
             <a:fld id="{44AC4E9E-3BE5-4665-BAE6-72CA507E8656}" type="datetimeFigureOut">
               <a:rPr lang="ru-RU" smtClean="0"/>
-              <a:t>08.10.2023</a:t>
+              <a:t>16.10.2023</a:t>
             </a:fld>
             <a:endParaRPr lang="ru-RU"/>
           </a:p>
@@ -18080,8 +18080,8 @@
         </p:nvSpPr>
         <p:spPr>
           <a:xfrm>
-            <a:off x="497840" y="941765"/>
-            <a:ext cx="11196320" cy="6494085"/>
+            <a:off x="497840" y="1135444"/>
+            <a:ext cx="11196320" cy="3908762"/>
           </a:xfrm>
           <a:prstGeom prst="rect">
             <a:avLst/>
@@ -18097,15 +18097,15 @@
               <a:defRPr/>
             </a:pPr>
             <a:r>
-              <a:rPr lang="ru-RU" sz="3200" dirty="0"/>
+              <a:rPr lang="ru-RU" sz="2800" dirty="0"/>
               <a:t>Получение информации о </a:t>
             </a:r>
             <a:r>
-              <a:rPr lang="ru-RU" sz="3200" b="1" dirty="0"/>
+              <a:rPr lang="ru-RU" sz="2800" b="1" dirty="0"/>
               <a:t>группах</a:t>
             </a:r>
             <a:r>
-              <a:rPr lang="ru-RU" sz="3200" dirty="0"/>
+              <a:rPr lang="ru-RU" sz="2800" dirty="0"/>
               <a:t>, образовываемых записями</a:t>
             </a:r>
           </a:p>
@@ -18113,69 +18113,18 @@
             <a:pPr>
               <a:defRPr/>
             </a:pPr>
-            <a:endParaRPr lang="ru-RU" sz="3200" dirty="0"/>
+            <a:endParaRPr lang="ru-RU" sz="2800" dirty="0"/>
           </a:p>
           <a:p>
             <a:pPr>
               <a:defRPr/>
             </a:pPr>
             <a:r>
-              <a:rPr lang="ru-RU" altLang="ru-RU" sz="3200" dirty="0"/>
-              <a:t>SELECT [литералы, </a:t>
-            </a:r>
-            <a:r>
-              <a:rPr lang="ru-RU" altLang="ru-RU" sz="3200" dirty="0" err="1"/>
-              <a:t>агрегатные_функции</a:t>
-            </a:r>
-            <a:r>
-              <a:rPr lang="ru-RU" altLang="ru-RU" sz="3200" dirty="0"/>
-              <a:t>, </a:t>
-            </a:r>
-            <a:r>
-              <a:rPr lang="ru-RU" altLang="ru-RU" sz="3200" dirty="0" err="1"/>
-              <a:t>поля_группировки</a:t>
-            </a:r>
-            <a:r>
-              <a:rPr lang="ru-RU" altLang="ru-RU" sz="3200" dirty="0"/>
-              <a:t>] FROM </a:t>
-            </a:r>
-            <a:r>
-              <a:rPr lang="ru-RU" altLang="ru-RU" sz="3200" dirty="0" err="1"/>
-              <a:t>имя_таблицы</a:t>
-            </a:r>
-            <a:r>
-              <a:rPr lang="ru-RU" altLang="ru-RU" sz="3200" dirty="0"/>
-              <a:t> </a:t>
-            </a:r>
-            <a:r>
-              <a:rPr lang="ru-RU" altLang="ru-RU" sz="3200" b="1" dirty="0"/>
-              <a:t>GROUP BY </a:t>
-            </a:r>
-            <a:r>
-              <a:rPr lang="ru-RU" altLang="ru-RU" sz="3200" dirty="0" err="1"/>
-              <a:t>поля_группировки</a:t>
-            </a:r>
-            <a:r>
-              <a:rPr lang="ru-RU" altLang="ru-RU" sz="3200" dirty="0"/>
-              <a:t>; </a:t>
-            </a:r>
-          </a:p>
-          <a:p>
-            <a:pPr>
-              <a:defRPr/>
-            </a:pPr>
-            <a:endParaRPr lang="ru-RU" sz="3200" dirty="0"/>
-          </a:p>
-          <a:p>
-            <a:pPr>
-              <a:defRPr/>
-            </a:pPr>
-            <a:r>
-              <a:rPr lang="ru-RU" sz="3200" dirty="0"/>
+              <a:rPr lang="ru-RU" sz="2800" dirty="0"/>
               <a:t>При использовании GROUP BY мы можем выводить </a:t>
             </a:r>
             <a:r>
-              <a:rPr lang="ru-RU" sz="3200" b="1" dirty="0"/>
+              <a:rPr lang="ru-RU" sz="2800" b="1" dirty="0"/>
               <a:t>только:</a:t>
             </a:r>
           </a:p>
@@ -18186,14 +18135,14 @@
               <a:defRPr/>
             </a:pPr>
             <a:r>
-              <a:rPr lang="ru-RU" sz="3200" b="1" dirty="0"/>
+              <a:rPr lang="ru-RU" sz="2800" b="1" dirty="0"/>
               <a:t>поля группировки </a:t>
             </a:r>
             <a:r>
-              <a:rPr lang="ru-RU" sz="3200" dirty="0"/>
+              <a:rPr lang="ru-RU" sz="2800" dirty="0"/>
               <a:t>(одинаковы для группы)</a:t>
             </a:r>
-            <a:endParaRPr lang="en-US" sz="3200" dirty="0"/>
+            <a:endParaRPr lang="en-US" sz="2800" dirty="0"/>
           </a:p>
           <a:p>
             <a:pPr marL="457200" indent="-457200">
@@ -18202,11 +18151,11 @@
               <a:defRPr/>
             </a:pPr>
             <a:r>
-              <a:rPr lang="ru-RU" sz="3200" b="1" dirty="0"/>
+              <a:rPr lang="ru-RU" sz="2800" b="1" dirty="0"/>
               <a:t>литералы</a:t>
             </a:r>
             <a:r>
-              <a:rPr lang="ru-RU" sz="3200" dirty="0"/>
+              <a:rPr lang="ru-RU" sz="2800" dirty="0"/>
               <a:t> (не зависят от данных)</a:t>
             </a:r>
           </a:p>
@@ -18217,41 +18166,39 @@
               <a:defRPr/>
             </a:pPr>
             <a:r>
-              <a:rPr lang="ru-RU" sz="3200" b="1" dirty="0"/>
+              <a:rPr lang="ru-RU" sz="2800" b="1" dirty="0"/>
               <a:t>результаты агрегатных функций </a:t>
             </a:r>
             <a:r>
-              <a:rPr lang="ru-RU" sz="3200" dirty="0"/>
+              <a:rPr lang="ru-RU" sz="2800" dirty="0"/>
               <a:t>(едины для группы)</a:t>
             </a:r>
           </a:p>
           <a:p>
-            <a:pPr marL="457200" indent="-457200">
-              <a:buFont typeface="Arial" panose="020B0604020202020204" pitchFamily="34" charset="0"/>
-              <a:buChar char="•"/>
-              <a:defRPr/>
-            </a:pPr>
-            <a:endParaRPr lang="ru-RU" sz="3200" dirty="0"/>
-          </a:p>
-          <a:p>
             <a:pPr>
               <a:defRPr/>
             </a:pPr>
             <a:r>
-              <a:rPr lang="ru-RU" sz="3200" dirty="0"/>
+              <a:rPr lang="ru-RU" sz="2400" dirty="0"/>
               <a:t>Если нужно группировать по более 1 полю – по аналогии с </a:t>
             </a:r>
             <a:r>
-              <a:rPr lang="en-US" sz="3200" dirty="0"/>
+              <a:rPr lang="en-US" sz="2400" dirty="0"/>
               <a:t>ORDER BY</a:t>
             </a:r>
-            <a:endParaRPr lang="ru-RU" sz="3200" dirty="0"/>
+            <a:endParaRPr lang="ru-RU" sz="2400" dirty="0"/>
           </a:p>
           <a:p>
             <a:pPr>
               <a:defRPr/>
             </a:pPr>
-            <a:endParaRPr lang="ru-RU" sz="3200" b="1" dirty="0"/>
+            <a:endParaRPr lang="ru-RU" sz="2800" b="1" dirty="0"/>
+          </a:p>
+          <a:p>
+            <a:pPr>
+              <a:defRPr/>
+            </a:pPr>
+            <a:endParaRPr lang="ru-RU" sz="2800" b="1" dirty="0"/>
           </a:p>
         </p:txBody>
       </p:sp>
@@ -18346,6 +18293,144 @@
               <a:effectLst/>
               <a:latin typeface="Arial" panose="020B0604020202020204" pitchFamily="34" charset="0"/>
             </a:endParaRPr>
+          </a:p>
+        </p:txBody>
+      </p:sp>
+      <p:pic>
+        <p:nvPicPr>
+          <p:cNvPr id="8" name="Рисунок 7">
+            <a:extLst>
+              <a:ext uri="{FF2B5EF4-FFF2-40B4-BE49-F238E27FC236}">
+                <a16:creationId xmlns:a16="http://schemas.microsoft.com/office/drawing/2014/main" id="{CE671EAB-E5DA-4D23-A11F-64048207F692}"/>
+              </a:ext>
+            </a:extLst>
+          </p:cNvPr>
+          <p:cNvPicPr>
+            <a:picLocks noChangeAspect="1"/>
+          </p:cNvPicPr>
+          <p:nvPr/>
+        </p:nvPicPr>
+        <p:blipFill>
+          <a:blip r:embed="rId4"/>
+          <a:stretch>
+            <a:fillRect/>
+          </a:stretch>
+        </p:blipFill>
+        <p:spPr>
+          <a:xfrm>
+            <a:off x="184731" y="5299757"/>
+            <a:ext cx="5372850" cy="752580"/>
+          </a:xfrm>
+          <a:prstGeom prst="rect">
+            <a:avLst/>
+          </a:prstGeom>
+        </p:spPr>
+      </p:pic>
+      <p:pic>
+        <p:nvPicPr>
+          <p:cNvPr id="10" name="Рисунок 9">
+            <a:extLst>
+              <a:ext uri="{FF2B5EF4-FFF2-40B4-BE49-F238E27FC236}">
+                <a16:creationId xmlns:a16="http://schemas.microsoft.com/office/drawing/2014/main" id="{76B45B3A-A9FC-4244-93B7-F2C393909E27}"/>
+              </a:ext>
+            </a:extLst>
+          </p:cNvPr>
+          <p:cNvPicPr>
+            <a:picLocks noChangeAspect="1"/>
+          </p:cNvPicPr>
+          <p:nvPr/>
+        </p:nvPicPr>
+        <p:blipFill>
+          <a:blip r:embed="rId5"/>
+          <a:stretch>
+            <a:fillRect/>
+          </a:stretch>
+        </p:blipFill>
+        <p:spPr>
+          <a:xfrm>
+            <a:off x="6244460" y="4660663"/>
+            <a:ext cx="5820587" cy="1695687"/>
+          </a:xfrm>
+          <a:prstGeom prst="rect">
+            <a:avLst/>
+          </a:prstGeom>
+        </p:spPr>
+      </p:pic>
+      <p:sp>
+        <p:nvSpPr>
+          <p:cNvPr id="11" name="TextBox 10">
+            <a:extLst>
+              <a:ext uri="{FF2B5EF4-FFF2-40B4-BE49-F238E27FC236}">
+                <a16:creationId xmlns:a16="http://schemas.microsoft.com/office/drawing/2014/main" id="{6EB004BD-4C35-4F6F-91D7-4742CE83CF4A}"/>
+              </a:ext>
+            </a:extLst>
+          </p:cNvPr>
+          <p:cNvSpPr txBox="1"/>
+          <p:nvPr/>
+        </p:nvSpPr>
+        <p:spPr>
+          <a:xfrm>
+            <a:off x="126953" y="4509942"/>
+            <a:ext cx="6114623" cy="646331"/>
+          </a:xfrm>
+          <a:prstGeom prst="rect">
+            <a:avLst/>
+          </a:prstGeom>
+          <a:noFill/>
+        </p:spPr>
+        <p:txBody>
+          <a:bodyPr wrap="none" rtlCol="0">
+            <a:spAutoFit/>
+          </a:bodyPr>
+          <a:lstStyle/>
+          <a:p>
+            <a:r>
+              <a:rPr lang="ru-RU" altLang="ru-RU" dirty="0"/>
+              <a:t>SELECT [литералы, </a:t>
+            </a:r>
+            <a:r>
+              <a:rPr lang="ru-RU" altLang="ru-RU" dirty="0" err="1"/>
+              <a:t>агрегатные_функции</a:t>
+            </a:r>
+            <a:r>
+              <a:rPr lang="ru-RU" altLang="ru-RU" dirty="0"/>
+              <a:t>, </a:t>
+            </a:r>
+            <a:r>
+              <a:rPr lang="ru-RU" altLang="ru-RU" dirty="0" err="1"/>
+              <a:t>поля_группировки</a:t>
+            </a:r>
+            <a:r>
+              <a:rPr lang="ru-RU" altLang="ru-RU" dirty="0"/>
+              <a:t>]</a:t>
+            </a:r>
+          </a:p>
+          <a:p>
+            <a:r>
+              <a:rPr lang="ru-RU" altLang="ru-RU" dirty="0"/>
+              <a:t>FROM </a:t>
+            </a:r>
+            <a:r>
+              <a:rPr lang="ru-RU" altLang="ru-RU" dirty="0" err="1"/>
+              <a:t>имя_таблицы</a:t>
+            </a:r>
+            <a:r>
+              <a:rPr lang="ru-RU" altLang="ru-RU" dirty="0"/>
+              <a:t> </a:t>
+            </a:r>
+            <a:r>
+              <a:rPr lang="ru-RU" altLang="ru-RU" b="1" dirty="0"/>
+              <a:t>GROUP BY </a:t>
+            </a:r>
+            <a:r>
+              <a:rPr lang="ru-RU" altLang="ru-RU" dirty="0" err="1"/>
+              <a:t>поля_группировки</a:t>
+            </a:r>
+            <a:r>
+              <a:rPr lang="ru-RU" altLang="ru-RU" dirty="0"/>
+              <a:t>;</a:t>
+            </a:r>
+            <a:endParaRPr lang="ru-RU" dirty="0"/>
           </a:p>
         </p:txBody>
       </p:sp>
@@ -19468,8 +19553,8 @@
         </p:nvSpPr>
         <p:spPr>
           <a:xfrm>
-            <a:off x="497840" y="1118751"/>
-            <a:ext cx="11196320" cy="4832092"/>
+            <a:off x="497840" y="1069061"/>
+            <a:ext cx="11196320" cy="4401205"/>
           </a:xfrm>
           <a:prstGeom prst="rect">
             <a:avLst/>
@@ -19594,38 +19679,70 @@
             <a:pPr>
               <a:defRPr/>
             </a:pPr>
-            <a:r>
-              <a:rPr lang="ru-RU" sz="2800" dirty="0"/>
-              <a:t>Пример: средний балл студента</a:t>
-            </a:r>
-          </a:p>
-          <a:p>
-            <a:pPr>
-              <a:defRPr/>
-            </a:pPr>
-            <a:r>
-              <a:rPr lang="en-US" sz="2800" dirty="0"/>
-              <a:t>SELECT student, </a:t>
-            </a:r>
-            <a:r>
-              <a:rPr lang="en-US" sz="2800" b="1" dirty="0"/>
-              <a:t>AVG</a:t>
-            </a:r>
-            <a:r>
-              <a:rPr lang="en-US" sz="2800" dirty="0"/>
-              <a:t>(score) from Students </a:t>
-            </a:r>
-            <a:r>
-              <a:rPr lang="en-US" sz="2800" b="1" dirty="0"/>
-              <a:t>GROUP BY </a:t>
-            </a:r>
-            <a:r>
-              <a:rPr lang="en-US" sz="2800" dirty="0"/>
-              <a:t>student;</a:t>
-            </a:r>
-          </a:p>
-        </p:txBody>
-      </p:sp>
+            <a:endParaRPr lang="ru-RU" sz="2800" dirty="0"/>
+          </a:p>
+        </p:txBody>
+      </p:sp>
+      <p:pic>
+        <p:nvPicPr>
+          <p:cNvPr id="8" name="Рисунок 7">
+            <a:extLst>
+              <a:ext uri="{FF2B5EF4-FFF2-40B4-BE49-F238E27FC236}">
+                <a16:creationId xmlns:a16="http://schemas.microsoft.com/office/drawing/2014/main" id="{CCEAAF74-50E2-4764-B744-3A9D84DA3928}"/>
+              </a:ext>
+            </a:extLst>
+          </p:cNvPr>
+          <p:cNvPicPr>
+            <a:picLocks noChangeAspect="1"/>
+          </p:cNvPicPr>
+          <p:nvPr/>
+        </p:nvPicPr>
+        <p:blipFill>
+          <a:blip r:embed="rId4"/>
+          <a:stretch>
+            <a:fillRect/>
+          </a:stretch>
+        </p:blipFill>
+        <p:spPr>
+          <a:xfrm>
+            <a:off x="497840" y="5126835"/>
+            <a:ext cx="5723094" cy="801639"/>
+          </a:xfrm>
+          <a:prstGeom prst="rect">
+            <a:avLst/>
+          </a:prstGeom>
+        </p:spPr>
+      </p:pic>
+      <p:pic>
+        <p:nvPicPr>
+          <p:cNvPr id="10" name="Рисунок 9">
+            <a:extLst>
+              <a:ext uri="{FF2B5EF4-FFF2-40B4-BE49-F238E27FC236}">
+                <a16:creationId xmlns:a16="http://schemas.microsoft.com/office/drawing/2014/main" id="{35A758A5-780E-439A-8615-3298F290BC04}"/>
+              </a:ext>
+            </a:extLst>
+          </p:cNvPr>
+          <p:cNvPicPr>
+            <a:picLocks noChangeAspect="1"/>
+          </p:cNvPicPr>
+          <p:nvPr/>
+        </p:nvPicPr>
+        <p:blipFill>
+          <a:blip r:embed="rId5"/>
+          <a:stretch>
+            <a:fillRect/>
+          </a:stretch>
+        </p:blipFill>
+        <p:spPr>
+          <a:xfrm>
+            <a:off x="6331878" y="4866054"/>
+            <a:ext cx="5021922" cy="1463016"/>
+          </a:xfrm>
+          <a:prstGeom prst="rect">
+            <a:avLst/>
+          </a:prstGeom>
+        </p:spPr>
+      </p:pic>
     </p:spTree>
     <p:extLst>
       <p:ext uri="{BB962C8B-B14F-4D97-AF65-F5344CB8AC3E}">
@@ -27113,12 +27230,8 @@
               <a:defRPr/>
             </a:pPr>
             <a:r>
-              <a:rPr lang="ru-RU" sz="2800" dirty="0" err="1"/>
-              <a:t>Несязанные</a:t>
-            </a:r>
-            <a:r>
               <a:rPr lang="ru-RU" sz="2800" dirty="0"/>
-              <a:t> таблицы - </a:t>
+              <a:t>Несвязанные таблицы - </a:t>
             </a:r>
             <a:r>
               <a:rPr lang="en-US" sz="2800" dirty="0"/>
@@ -27286,7 +27399,7 @@
         </p:blipFill>
         <p:spPr>
           <a:xfrm>
-            <a:off x="5089264" y="4504093"/>
+            <a:off x="5280610" y="4570698"/>
             <a:ext cx="546320" cy="502468"/>
           </a:xfrm>
           <a:prstGeom prst="rect">
@@ -39856,6 +39969,14 @@
             <a:r>
               <a:rPr lang="en-US" sz="2000" dirty="0"/>
               <a:t>Redis</a:t>
+            </a:r>
+            <a:r>
+              <a:rPr lang="ru-RU" sz="2000" dirty="0"/>
+              <a:t>: нет </a:t>
+            </a:r>
+            <a:r>
+              <a:rPr lang="ru-RU" sz="2000"/>
+              <a:t>хранения на диске (+/-)</a:t>
             </a:r>
             <a:endParaRPr lang="ru-RU" sz="2000" dirty="0"/>
           </a:p>
